--- a/Day-13 Excel Data Visualization.pptx
+++ b/Day-13 Excel Data Visualization.pptx
@@ -3771,6 +3771,11 @@
                 </a:outerShdw>
               </a:effectLst>
             </c:spPr>
+            <c:extLst>
+              <c:ext xmlns:c16="http://schemas.microsoft.com/office/drawing/2014/chart" uri="{C3380CC4-5D6E-409C-BE32-E72D297353CC}">
+                <c16:uniqueId val="{00000001-0F13-4933-AA2A-3C383762255A}"/>
+              </c:ext>
+            </c:extLst>
           </c:dPt>
           <c:dPt>
             <c:idx val="1"/>
@@ -3813,6 +3818,11 @@
                 </a:outerShdw>
               </a:effectLst>
             </c:spPr>
+            <c:extLst>
+              <c:ext xmlns:c16="http://schemas.microsoft.com/office/drawing/2014/chart" uri="{C3380CC4-5D6E-409C-BE32-E72D297353CC}">
+                <c16:uniqueId val="{00000003-0F13-4933-AA2A-3C383762255A}"/>
+              </c:ext>
+            </c:extLst>
           </c:dPt>
           <c:dPt>
             <c:idx val="2"/>
@@ -3855,6 +3865,11 @@
                 </a:outerShdw>
               </a:effectLst>
             </c:spPr>
+            <c:extLst>
+              <c:ext xmlns:c16="http://schemas.microsoft.com/office/drawing/2014/chart" uri="{C3380CC4-5D6E-409C-BE32-E72D297353CC}">
+                <c16:uniqueId val="{00000005-0F13-4933-AA2A-3C383762255A}"/>
+              </c:ext>
+            </c:extLst>
           </c:dPt>
           <c:dPt>
             <c:idx val="3"/>
@@ -3897,6 +3912,11 @@
                 </a:outerShdw>
               </a:effectLst>
             </c:spPr>
+            <c:extLst>
+              <c:ext xmlns:c16="http://schemas.microsoft.com/office/drawing/2014/chart" uri="{C3380CC4-5D6E-409C-BE32-E72D297353CC}">
+                <c16:uniqueId val="{00000007-0F13-4933-AA2A-3C383762255A}"/>
+              </c:ext>
+            </c:extLst>
           </c:dPt>
           <c:dPt>
             <c:idx val="4"/>
@@ -3939,6 +3959,11 @@
                 </a:outerShdw>
               </a:effectLst>
             </c:spPr>
+            <c:extLst>
+              <c:ext xmlns:c16="http://schemas.microsoft.com/office/drawing/2014/chart" uri="{C3380CC4-5D6E-409C-BE32-E72D297353CC}">
+                <c16:uniqueId val="{00000009-0F13-4933-AA2A-3C383762255A}"/>
+              </c:ext>
+            </c:extLst>
           </c:dPt>
           <c:dPt>
             <c:idx val="5"/>
@@ -3981,6 +4006,11 @@
                 </a:outerShdw>
               </a:effectLst>
             </c:spPr>
+            <c:extLst>
+              <c:ext xmlns:c16="http://schemas.microsoft.com/office/drawing/2014/chart" uri="{C3380CC4-5D6E-409C-BE32-E72D297353CC}">
+                <c16:uniqueId val="{0000000B-0F13-4933-AA2A-3C383762255A}"/>
+              </c:ext>
+            </c:extLst>
           </c:dPt>
           <c:dPt>
             <c:idx val="6"/>
@@ -4026,6 +4056,11 @@
                 </a:outerShdw>
               </a:effectLst>
             </c:spPr>
+            <c:extLst>
+              <c:ext xmlns:c16="http://schemas.microsoft.com/office/drawing/2014/chart" uri="{C3380CC4-5D6E-409C-BE32-E72D297353CC}">
+                <c16:uniqueId val="{0000000D-0F13-4933-AA2A-3C383762255A}"/>
+              </c:ext>
+            </c:extLst>
           </c:dPt>
           <c:dPt>
             <c:idx val="7"/>
@@ -4071,6 +4106,11 @@
                 </a:outerShdw>
               </a:effectLst>
             </c:spPr>
+            <c:extLst>
+              <c:ext xmlns:c16="http://schemas.microsoft.com/office/drawing/2014/chart" uri="{C3380CC4-5D6E-409C-BE32-E72D297353CC}">
+                <c16:uniqueId val="{0000000F-0F13-4933-AA2A-3C383762255A}"/>
+              </c:ext>
+            </c:extLst>
           </c:dPt>
           <c:dPt>
             <c:idx val="8"/>
@@ -4116,6 +4156,11 @@
                 </a:outerShdw>
               </a:effectLst>
             </c:spPr>
+            <c:extLst>
+              <c:ext xmlns:c16="http://schemas.microsoft.com/office/drawing/2014/chart" uri="{C3380CC4-5D6E-409C-BE32-E72D297353CC}">
+                <c16:uniqueId val="{00000011-0F13-4933-AA2A-3C383762255A}"/>
+              </c:ext>
+            </c:extLst>
           </c:dPt>
           <c:dPt>
             <c:idx val="9"/>
@@ -4161,6 +4206,11 @@
                 </a:outerShdw>
               </a:effectLst>
             </c:spPr>
+            <c:extLst>
+              <c:ext xmlns:c16="http://schemas.microsoft.com/office/drawing/2014/chart" uri="{C3380CC4-5D6E-409C-BE32-E72D297353CC}">
+                <c16:uniqueId val="{00000013-0F13-4933-AA2A-3C383762255A}"/>
+              </c:ext>
+            </c:extLst>
           </c:dPt>
           <c:dPt>
             <c:idx val="10"/>
@@ -4206,6 +4256,11 @@
                 </a:outerShdw>
               </a:effectLst>
             </c:spPr>
+            <c:extLst>
+              <c:ext xmlns:c16="http://schemas.microsoft.com/office/drawing/2014/chart" uri="{C3380CC4-5D6E-409C-BE32-E72D297353CC}">
+                <c16:uniqueId val="{00000015-0F13-4933-AA2A-3C383762255A}"/>
+              </c:ext>
+            </c:extLst>
           </c:dPt>
           <c:dLbls>
             <c:spPr>
@@ -4402,6 +4457,11 @@
                 </a:outerShdw>
               </a:effectLst>
             </c:spPr>
+            <c:extLst>
+              <c:ext xmlns:c16="http://schemas.microsoft.com/office/drawing/2014/chart" uri="{C3380CC4-5D6E-409C-BE32-E72D297353CC}">
+                <c16:uniqueId val="{00000017-0F13-4933-AA2A-3C383762255A}"/>
+              </c:ext>
+            </c:extLst>
           </c:dPt>
           <c:dPt>
             <c:idx val="1"/>
@@ -4444,6 +4504,11 @@
                 </a:outerShdw>
               </a:effectLst>
             </c:spPr>
+            <c:extLst>
+              <c:ext xmlns:c16="http://schemas.microsoft.com/office/drawing/2014/chart" uri="{C3380CC4-5D6E-409C-BE32-E72D297353CC}">
+                <c16:uniqueId val="{00000019-0F13-4933-AA2A-3C383762255A}"/>
+              </c:ext>
+            </c:extLst>
           </c:dPt>
           <c:dPt>
             <c:idx val="2"/>
@@ -4486,6 +4551,11 @@
                 </a:outerShdw>
               </a:effectLst>
             </c:spPr>
+            <c:extLst>
+              <c:ext xmlns:c16="http://schemas.microsoft.com/office/drawing/2014/chart" uri="{C3380CC4-5D6E-409C-BE32-E72D297353CC}">
+                <c16:uniqueId val="{0000001B-0F13-4933-AA2A-3C383762255A}"/>
+              </c:ext>
+            </c:extLst>
           </c:dPt>
           <c:dPt>
             <c:idx val="3"/>
@@ -4528,6 +4598,11 @@
                 </a:outerShdw>
               </a:effectLst>
             </c:spPr>
+            <c:extLst>
+              <c:ext xmlns:c16="http://schemas.microsoft.com/office/drawing/2014/chart" uri="{C3380CC4-5D6E-409C-BE32-E72D297353CC}">
+                <c16:uniqueId val="{0000001D-0F13-4933-AA2A-3C383762255A}"/>
+              </c:ext>
+            </c:extLst>
           </c:dPt>
           <c:dPt>
             <c:idx val="4"/>
@@ -4570,6 +4645,11 @@
                 </a:outerShdw>
               </a:effectLst>
             </c:spPr>
+            <c:extLst>
+              <c:ext xmlns:c16="http://schemas.microsoft.com/office/drawing/2014/chart" uri="{C3380CC4-5D6E-409C-BE32-E72D297353CC}">
+                <c16:uniqueId val="{0000001F-0F13-4933-AA2A-3C383762255A}"/>
+              </c:ext>
+            </c:extLst>
           </c:dPt>
           <c:dPt>
             <c:idx val="5"/>
@@ -4612,6 +4692,11 @@
                 </a:outerShdw>
               </a:effectLst>
             </c:spPr>
+            <c:extLst>
+              <c:ext xmlns:c16="http://schemas.microsoft.com/office/drawing/2014/chart" uri="{C3380CC4-5D6E-409C-BE32-E72D297353CC}">
+                <c16:uniqueId val="{00000021-0F13-4933-AA2A-3C383762255A}"/>
+              </c:ext>
+            </c:extLst>
           </c:dPt>
           <c:dPt>
             <c:idx val="6"/>
@@ -4657,6 +4742,11 @@
                 </a:outerShdw>
               </a:effectLst>
             </c:spPr>
+            <c:extLst>
+              <c:ext xmlns:c16="http://schemas.microsoft.com/office/drawing/2014/chart" uri="{C3380CC4-5D6E-409C-BE32-E72D297353CC}">
+                <c16:uniqueId val="{00000023-0F13-4933-AA2A-3C383762255A}"/>
+              </c:ext>
+            </c:extLst>
           </c:dPt>
           <c:dPt>
             <c:idx val="7"/>
@@ -4702,6 +4792,11 @@
                 </a:outerShdw>
               </a:effectLst>
             </c:spPr>
+            <c:extLst>
+              <c:ext xmlns:c16="http://schemas.microsoft.com/office/drawing/2014/chart" uri="{C3380CC4-5D6E-409C-BE32-E72D297353CC}">
+                <c16:uniqueId val="{00000025-0F13-4933-AA2A-3C383762255A}"/>
+              </c:ext>
+            </c:extLst>
           </c:dPt>
           <c:dPt>
             <c:idx val="8"/>
@@ -4747,6 +4842,11 @@
                 </a:outerShdw>
               </a:effectLst>
             </c:spPr>
+            <c:extLst>
+              <c:ext xmlns:c16="http://schemas.microsoft.com/office/drawing/2014/chart" uri="{C3380CC4-5D6E-409C-BE32-E72D297353CC}">
+                <c16:uniqueId val="{00000027-0F13-4933-AA2A-3C383762255A}"/>
+              </c:ext>
+            </c:extLst>
           </c:dPt>
           <c:dPt>
             <c:idx val="9"/>
@@ -4792,6 +4892,11 @@
                 </a:outerShdw>
               </a:effectLst>
             </c:spPr>
+            <c:extLst>
+              <c:ext xmlns:c16="http://schemas.microsoft.com/office/drawing/2014/chart" uri="{C3380CC4-5D6E-409C-BE32-E72D297353CC}">
+                <c16:uniqueId val="{00000029-0F13-4933-AA2A-3C383762255A}"/>
+              </c:ext>
+            </c:extLst>
           </c:dPt>
           <c:dPt>
             <c:idx val="10"/>
@@ -4837,6 +4942,11 @@
                 </a:outerShdw>
               </a:effectLst>
             </c:spPr>
+            <c:extLst>
+              <c:ext xmlns:c16="http://schemas.microsoft.com/office/drawing/2014/chart" uri="{C3380CC4-5D6E-409C-BE32-E72D297353CC}">
+                <c16:uniqueId val="{0000002B-0F13-4933-AA2A-3C383762255A}"/>
+              </c:ext>
+            </c:extLst>
           </c:dPt>
           <c:cat>
             <c:strRef>
@@ -4982,6 +5092,11 @@
                 </a:outerShdw>
               </a:effectLst>
             </c:spPr>
+            <c:extLst>
+              <c:ext xmlns:c16="http://schemas.microsoft.com/office/drawing/2014/chart" uri="{C3380CC4-5D6E-409C-BE32-E72D297353CC}">
+                <c16:uniqueId val="{0000002D-0F13-4933-AA2A-3C383762255A}"/>
+              </c:ext>
+            </c:extLst>
           </c:dPt>
           <c:dPt>
             <c:idx val="1"/>
@@ -5024,6 +5139,11 @@
                 </a:outerShdw>
               </a:effectLst>
             </c:spPr>
+            <c:extLst>
+              <c:ext xmlns:c16="http://schemas.microsoft.com/office/drawing/2014/chart" uri="{C3380CC4-5D6E-409C-BE32-E72D297353CC}">
+                <c16:uniqueId val="{0000002F-0F13-4933-AA2A-3C383762255A}"/>
+              </c:ext>
+            </c:extLst>
           </c:dPt>
           <c:dPt>
             <c:idx val="2"/>
@@ -5066,6 +5186,11 @@
                 </a:outerShdw>
               </a:effectLst>
             </c:spPr>
+            <c:extLst>
+              <c:ext xmlns:c16="http://schemas.microsoft.com/office/drawing/2014/chart" uri="{C3380CC4-5D6E-409C-BE32-E72D297353CC}">
+                <c16:uniqueId val="{00000031-0F13-4933-AA2A-3C383762255A}"/>
+              </c:ext>
+            </c:extLst>
           </c:dPt>
           <c:dPt>
             <c:idx val="3"/>
@@ -5108,6 +5233,11 @@
                 </a:outerShdw>
               </a:effectLst>
             </c:spPr>
+            <c:extLst>
+              <c:ext xmlns:c16="http://schemas.microsoft.com/office/drawing/2014/chart" uri="{C3380CC4-5D6E-409C-BE32-E72D297353CC}">
+                <c16:uniqueId val="{00000033-0F13-4933-AA2A-3C383762255A}"/>
+              </c:ext>
+            </c:extLst>
           </c:dPt>
           <c:dPt>
             <c:idx val="4"/>
@@ -5150,6 +5280,11 @@
                 </a:outerShdw>
               </a:effectLst>
             </c:spPr>
+            <c:extLst>
+              <c:ext xmlns:c16="http://schemas.microsoft.com/office/drawing/2014/chart" uri="{C3380CC4-5D6E-409C-BE32-E72D297353CC}">
+                <c16:uniqueId val="{00000035-0F13-4933-AA2A-3C383762255A}"/>
+              </c:ext>
+            </c:extLst>
           </c:dPt>
           <c:dPt>
             <c:idx val="5"/>
@@ -5192,6 +5327,11 @@
                 </a:outerShdw>
               </a:effectLst>
             </c:spPr>
+            <c:extLst>
+              <c:ext xmlns:c16="http://schemas.microsoft.com/office/drawing/2014/chart" uri="{C3380CC4-5D6E-409C-BE32-E72D297353CC}">
+                <c16:uniqueId val="{00000037-0F13-4933-AA2A-3C383762255A}"/>
+              </c:ext>
+            </c:extLst>
           </c:dPt>
           <c:dPt>
             <c:idx val="6"/>
@@ -5237,6 +5377,11 @@
                 </a:outerShdw>
               </a:effectLst>
             </c:spPr>
+            <c:extLst>
+              <c:ext xmlns:c16="http://schemas.microsoft.com/office/drawing/2014/chart" uri="{C3380CC4-5D6E-409C-BE32-E72D297353CC}">
+                <c16:uniqueId val="{00000039-0F13-4933-AA2A-3C383762255A}"/>
+              </c:ext>
+            </c:extLst>
           </c:dPt>
           <c:dPt>
             <c:idx val="7"/>
@@ -5282,6 +5427,11 @@
                 </a:outerShdw>
               </a:effectLst>
             </c:spPr>
+            <c:extLst>
+              <c:ext xmlns:c16="http://schemas.microsoft.com/office/drawing/2014/chart" uri="{C3380CC4-5D6E-409C-BE32-E72D297353CC}">
+                <c16:uniqueId val="{0000003B-0F13-4933-AA2A-3C383762255A}"/>
+              </c:ext>
+            </c:extLst>
           </c:dPt>
           <c:dPt>
             <c:idx val="8"/>
@@ -5327,6 +5477,11 @@
                 </a:outerShdw>
               </a:effectLst>
             </c:spPr>
+            <c:extLst>
+              <c:ext xmlns:c16="http://schemas.microsoft.com/office/drawing/2014/chart" uri="{C3380CC4-5D6E-409C-BE32-E72D297353CC}">
+                <c16:uniqueId val="{0000003D-0F13-4933-AA2A-3C383762255A}"/>
+              </c:ext>
+            </c:extLst>
           </c:dPt>
           <c:dPt>
             <c:idx val="9"/>
@@ -5372,6 +5527,11 @@
                 </a:outerShdw>
               </a:effectLst>
             </c:spPr>
+            <c:extLst>
+              <c:ext xmlns:c16="http://schemas.microsoft.com/office/drawing/2014/chart" uri="{C3380CC4-5D6E-409C-BE32-E72D297353CC}">
+                <c16:uniqueId val="{0000003F-0F13-4933-AA2A-3C383762255A}"/>
+              </c:ext>
+            </c:extLst>
           </c:dPt>
           <c:dPt>
             <c:idx val="10"/>
@@ -5417,6 +5577,11 @@
                 </a:outerShdw>
               </a:effectLst>
             </c:spPr>
+            <c:extLst>
+              <c:ext xmlns:c16="http://schemas.microsoft.com/office/drawing/2014/chart" uri="{C3380CC4-5D6E-409C-BE32-E72D297353CC}">
+                <c16:uniqueId val="{00000041-0F13-4933-AA2A-3C383762255A}"/>
+              </c:ext>
+            </c:extLst>
           </c:dPt>
           <c:cat>
             <c:strRef>
@@ -5562,6 +5727,11 @@
                 </a:outerShdw>
               </a:effectLst>
             </c:spPr>
+            <c:extLst>
+              <c:ext xmlns:c16="http://schemas.microsoft.com/office/drawing/2014/chart" uri="{C3380CC4-5D6E-409C-BE32-E72D297353CC}">
+                <c16:uniqueId val="{00000043-0F13-4933-AA2A-3C383762255A}"/>
+              </c:ext>
+            </c:extLst>
           </c:dPt>
           <c:dPt>
             <c:idx val="1"/>
@@ -5604,6 +5774,11 @@
                 </a:outerShdw>
               </a:effectLst>
             </c:spPr>
+            <c:extLst>
+              <c:ext xmlns:c16="http://schemas.microsoft.com/office/drawing/2014/chart" uri="{C3380CC4-5D6E-409C-BE32-E72D297353CC}">
+                <c16:uniqueId val="{00000045-0F13-4933-AA2A-3C383762255A}"/>
+              </c:ext>
+            </c:extLst>
           </c:dPt>
           <c:dPt>
             <c:idx val="2"/>
@@ -5646,6 +5821,11 @@
                 </a:outerShdw>
               </a:effectLst>
             </c:spPr>
+            <c:extLst>
+              <c:ext xmlns:c16="http://schemas.microsoft.com/office/drawing/2014/chart" uri="{C3380CC4-5D6E-409C-BE32-E72D297353CC}">
+                <c16:uniqueId val="{00000047-0F13-4933-AA2A-3C383762255A}"/>
+              </c:ext>
+            </c:extLst>
           </c:dPt>
           <c:dPt>
             <c:idx val="3"/>
@@ -5688,6 +5868,11 @@
                 </a:outerShdw>
               </a:effectLst>
             </c:spPr>
+            <c:extLst>
+              <c:ext xmlns:c16="http://schemas.microsoft.com/office/drawing/2014/chart" uri="{C3380CC4-5D6E-409C-BE32-E72D297353CC}">
+                <c16:uniqueId val="{00000049-0F13-4933-AA2A-3C383762255A}"/>
+              </c:ext>
+            </c:extLst>
           </c:dPt>
           <c:dPt>
             <c:idx val="4"/>
@@ -5730,6 +5915,11 @@
                 </a:outerShdw>
               </a:effectLst>
             </c:spPr>
+            <c:extLst>
+              <c:ext xmlns:c16="http://schemas.microsoft.com/office/drawing/2014/chart" uri="{C3380CC4-5D6E-409C-BE32-E72D297353CC}">
+                <c16:uniqueId val="{0000004B-0F13-4933-AA2A-3C383762255A}"/>
+              </c:ext>
+            </c:extLst>
           </c:dPt>
           <c:dPt>
             <c:idx val="5"/>
@@ -5772,6 +5962,11 @@
                 </a:outerShdw>
               </a:effectLst>
             </c:spPr>
+            <c:extLst>
+              <c:ext xmlns:c16="http://schemas.microsoft.com/office/drawing/2014/chart" uri="{C3380CC4-5D6E-409C-BE32-E72D297353CC}">
+                <c16:uniqueId val="{0000004D-0F13-4933-AA2A-3C383762255A}"/>
+              </c:ext>
+            </c:extLst>
           </c:dPt>
           <c:dPt>
             <c:idx val="6"/>
@@ -5817,6 +6012,11 @@
                 </a:outerShdw>
               </a:effectLst>
             </c:spPr>
+            <c:extLst>
+              <c:ext xmlns:c16="http://schemas.microsoft.com/office/drawing/2014/chart" uri="{C3380CC4-5D6E-409C-BE32-E72D297353CC}">
+                <c16:uniqueId val="{0000004F-0F13-4933-AA2A-3C383762255A}"/>
+              </c:ext>
+            </c:extLst>
           </c:dPt>
           <c:dPt>
             <c:idx val="7"/>
@@ -5862,6 +6062,11 @@
                 </a:outerShdw>
               </a:effectLst>
             </c:spPr>
+            <c:extLst>
+              <c:ext xmlns:c16="http://schemas.microsoft.com/office/drawing/2014/chart" uri="{C3380CC4-5D6E-409C-BE32-E72D297353CC}">
+                <c16:uniqueId val="{00000051-0F13-4933-AA2A-3C383762255A}"/>
+              </c:ext>
+            </c:extLst>
           </c:dPt>
           <c:dPt>
             <c:idx val="8"/>
@@ -5907,6 +6112,11 @@
                 </a:outerShdw>
               </a:effectLst>
             </c:spPr>
+            <c:extLst>
+              <c:ext xmlns:c16="http://schemas.microsoft.com/office/drawing/2014/chart" uri="{C3380CC4-5D6E-409C-BE32-E72D297353CC}">
+                <c16:uniqueId val="{00000053-0F13-4933-AA2A-3C383762255A}"/>
+              </c:ext>
+            </c:extLst>
           </c:dPt>
           <c:dPt>
             <c:idx val="9"/>
@@ -5952,6 +6162,11 @@
                 </a:outerShdw>
               </a:effectLst>
             </c:spPr>
+            <c:extLst>
+              <c:ext xmlns:c16="http://schemas.microsoft.com/office/drawing/2014/chart" uri="{C3380CC4-5D6E-409C-BE32-E72D297353CC}">
+                <c16:uniqueId val="{00000055-0F13-4933-AA2A-3C383762255A}"/>
+              </c:ext>
+            </c:extLst>
           </c:dPt>
           <c:dPt>
             <c:idx val="10"/>
@@ -5997,6 +6212,11 @@
                 </a:outerShdw>
               </a:effectLst>
             </c:spPr>
+            <c:extLst>
+              <c:ext xmlns:c16="http://schemas.microsoft.com/office/drawing/2014/chart" uri="{C3380CC4-5D6E-409C-BE32-E72D297353CC}">
+                <c16:uniqueId val="{00000057-0F13-4933-AA2A-3C383762255A}"/>
+              </c:ext>
+            </c:extLst>
           </c:dPt>
           <c:cat>
             <c:strRef>
@@ -6142,6 +6362,11 @@
                 </a:outerShdw>
               </a:effectLst>
             </c:spPr>
+            <c:extLst>
+              <c:ext xmlns:c16="http://schemas.microsoft.com/office/drawing/2014/chart" uri="{C3380CC4-5D6E-409C-BE32-E72D297353CC}">
+                <c16:uniqueId val="{00000059-0F13-4933-AA2A-3C383762255A}"/>
+              </c:ext>
+            </c:extLst>
           </c:dPt>
           <c:dPt>
             <c:idx val="1"/>
@@ -6184,6 +6409,11 @@
                 </a:outerShdw>
               </a:effectLst>
             </c:spPr>
+            <c:extLst>
+              <c:ext xmlns:c16="http://schemas.microsoft.com/office/drawing/2014/chart" uri="{C3380CC4-5D6E-409C-BE32-E72D297353CC}">
+                <c16:uniqueId val="{0000005B-0F13-4933-AA2A-3C383762255A}"/>
+              </c:ext>
+            </c:extLst>
           </c:dPt>
           <c:dPt>
             <c:idx val="2"/>
@@ -6226,6 +6456,11 @@
                 </a:outerShdw>
               </a:effectLst>
             </c:spPr>
+            <c:extLst>
+              <c:ext xmlns:c16="http://schemas.microsoft.com/office/drawing/2014/chart" uri="{C3380CC4-5D6E-409C-BE32-E72D297353CC}">
+                <c16:uniqueId val="{0000005D-0F13-4933-AA2A-3C383762255A}"/>
+              </c:ext>
+            </c:extLst>
           </c:dPt>
           <c:dPt>
             <c:idx val="3"/>
@@ -6268,6 +6503,11 @@
                 </a:outerShdw>
               </a:effectLst>
             </c:spPr>
+            <c:extLst>
+              <c:ext xmlns:c16="http://schemas.microsoft.com/office/drawing/2014/chart" uri="{C3380CC4-5D6E-409C-BE32-E72D297353CC}">
+                <c16:uniqueId val="{0000005F-0F13-4933-AA2A-3C383762255A}"/>
+              </c:ext>
+            </c:extLst>
           </c:dPt>
           <c:dPt>
             <c:idx val="4"/>
@@ -6310,6 +6550,11 @@
                 </a:outerShdw>
               </a:effectLst>
             </c:spPr>
+            <c:extLst>
+              <c:ext xmlns:c16="http://schemas.microsoft.com/office/drawing/2014/chart" uri="{C3380CC4-5D6E-409C-BE32-E72D297353CC}">
+                <c16:uniqueId val="{00000061-0F13-4933-AA2A-3C383762255A}"/>
+              </c:ext>
+            </c:extLst>
           </c:dPt>
           <c:dPt>
             <c:idx val="5"/>
@@ -6352,6 +6597,11 @@
                 </a:outerShdw>
               </a:effectLst>
             </c:spPr>
+            <c:extLst>
+              <c:ext xmlns:c16="http://schemas.microsoft.com/office/drawing/2014/chart" uri="{C3380CC4-5D6E-409C-BE32-E72D297353CC}">
+                <c16:uniqueId val="{00000063-0F13-4933-AA2A-3C383762255A}"/>
+              </c:ext>
+            </c:extLst>
           </c:dPt>
           <c:dPt>
             <c:idx val="6"/>
@@ -6397,6 +6647,11 @@
                 </a:outerShdw>
               </a:effectLst>
             </c:spPr>
+            <c:extLst>
+              <c:ext xmlns:c16="http://schemas.microsoft.com/office/drawing/2014/chart" uri="{C3380CC4-5D6E-409C-BE32-E72D297353CC}">
+                <c16:uniqueId val="{00000065-0F13-4933-AA2A-3C383762255A}"/>
+              </c:ext>
+            </c:extLst>
           </c:dPt>
           <c:dPt>
             <c:idx val="7"/>
@@ -6442,6 +6697,11 @@
                 </a:outerShdw>
               </a:effectLst>
             </c:spPr>
+            <c:extLst>
+              <c:ext xmlns:c16="http://schemas.microsoft.com/office/drawing/2014/chart" uri="{C3380CC4-5D6E-409C-BE32-E72D297353CC}">
+                <c16:uniqueId val="{00000067-0F13-4933-AA2A-3C383762255A}"/>
+              </c:ext>
+            </c:extLst>
           </c:dPt>
           <c:dPt>
             <c:idx val="8"/>
@@ -6487,6 +6747,11 @@
                 </a:outerShdw>
               </a:effectLst>
             </c:spPr>
+            <c:extLst>
+              <c:ext xmlns:c16="http://schemas.microsoft.com/office/drawing/2014/chart" uri="{C3380CC4-5D6E-409C-BE32-E72D297353CC}">
+                <c16:uniqueId val="{00000069-0F13-4933-AA2A-3C383762255A}"/>
+              </c:ext>
+            </c:extLst>
           </c:dPt>
           <c:dPt>
             <c:idx val="9"/>
@@ -6532,6 +6797,11 @@
                 </a:outerShdw>
               </a:effectLst>
             </c:spPr>
+            <c:extLst>
+              <c:ext xmlns:c16="http://schemas.microsoft.com/office/drawing/2014/chart" uri="{C3380CC4-5D6E-409C-BE32-E72D297353CC}">
+                <c16:uniqueId val="{0000006B-0F13-4933-AA2A-3C383762255A}"/>
+              </c:ext>
+            </c:extLst>
           </c:dPt>
           <c:dPt>
             <c:idx val="10"/>
@@ -6577,6 +6847,11 @@
                 </a:outerShdw>
               </a:effectLst>
             </c:spPr>
+            <c:extLst>
+              <c:ext xmlns:c16="http://schemas.microsoft.com/office/drawing/2014/chart" uri="{C3380CC4-5D6E-409C-BE32-E72D297353CC}">
+                <c16:uniqueId val="{0000006D-0F13-4933-AA2A-3C383762255A}"/>
+              </c:ext>
+            </c:extLst>
           </c:dPt>
           <c:cat>
             <c:strRef>
@@ -15515,6 +15790,7 @@
           <a:bodyPr wrap="square" lIns="0" tIns="0" rIns="0" bIns="0" rtlCol="0" anchor="t"/>
           <a:lstStyle/>
           <a:p>
+            <a:pPr algn="just"/>
             <a:r>
               <a:rPr lang="en-US" sz="2200" dirty="0">
                 <a:solidFill>
@@ -15566,7 +15842,7 @@
                 <a:effectLst/>
                 <a:latin typeface="Studio-Feixen-Sans"/>
               </a:rPr>
-              <a:t>Select the data range A1:D13</a:t>
+              <a:t>Select the data range </a:t>
             </a:r>
           </a:p>
           <a:p>
@@ -15803,6 +16079,7 @@
           <a:bodyPr wrap="square" lIns="0" tIns="0" rIns="0" bIns="0" rtlCol="0" anchor="t"/>
           <a:lstStyle/>
           <a:p>
+            <a:pPr algn="just"/>
             <a:r>
               <a:rPr lang="en-US" sz="2200" dirty="0">
                 <a:solidFill>
@@ -15840,7 +16117,7 @@
                   <a:srgbClr val="CFCBBF"/>
                 </a:solidFill>
               </a:rPr>
-              <a:t>Select the data range A1:D13</a:t>
+              <a:t>Select the data range </a:t>
             </a:r>
           </a:p>
           <a:p>
@@ -16090,6 +16367,7 @@
           <a:bodyPr wrap="square" lIns="0" tIns="0" rIns="0" bIns="0" rtlCol="0" anchor="t"/>
           <a:lstStyle/>
           <a:p>
+            <a:pPr algn="just"/>
             <a:r>
               <a:rPr lang="en-US" sz="2200" dirty="0">
                 <a:solidFill>
@@ -16411,6 +16689,17 @@
           <a:bodyPr wrap="square" lIns="0" tIns="0" rIns="0" bIns="0" rtlCol="0" anchor="t"/>
           <a:lstStyle/>
           <a:p>
+            <a:pPr algn="just"/>
+            <a:r>
+              <a:rPr lang="en-US" sz="2200">
+                <a:solidFill>
+                  <a:srgbClr val="CFCBBF"/>
+                </a:solidFill>
+                <a:latin typeface="Prata" pitchFamily="34" charset="0"/>
+                <a:ea typeface="Prata" pitchFamily="34" charset="-122"/>
+              </a:rPr>
+              <a:t>A Pie </a:t>
+            </a:r>
             <a:r>
               <a:rPr lang="en-US" sz="2200" dirty="0">
                 <a:solidFill>
@@ -16419,7 +16708,7 @@
                 <a:latin typeface="Prata" pitchFamily="34" charset="0"/>
                 <a:ea typeface="Prata" pitchFamily="34" charset="-122"/>
               </a:rPr>
-              <a:t>A line chart is the most useful way to capture how a numerical variable changes over time. This is helpful to identify trends in numeric values.</a:t>
+              <a:t>chart is most commonly used to show the proportions of a whole. It’s like visualizing fractions when you were in high school.</a:t>
             </a:r>
           </a:p>
           <a:p>
@@ -16446,7 +16735,7 @@
             </a:r>
           </a:p>
           <a:p>
-            <a:pPr lvl="1">
+            <a:pPr lvl="1" algn="just">
               <a:buFont typeface="Arial" panose="020B0604020202020204" pitchFamily="34" charset="0"/>
               <a:buChar char="•"/>
             </a:pPr>
@@ -16462,7 +16751,7 @@
             </a:r>
           </a:p>
           <a:p>
-            <a:pPr lvl="1">
+            <a:pPr lvl="1" algn="just">
               <a:buFont typeface="Arial" panose="020B0604020202020204" pitchFamily="34" charset="0"/>
               <a:buChar char="•"/>
             </a:pPr>
@@ -16478,7 +16767,7 @@
             </a:r>
           </a:p>
           <a:p>
-            <a:pPr lvl="1">
+            <a:pPr lvl="1" algn="just">
               <a:buFont typeface="Arial" panose="020B0604020202020204" pitchFamily="34" charset="0"/>
               <a:buChar char="•"/>
             </a:pPr>
